--- a/Presentation for Project ppt.pptx
+++ b/Presentation for Project ppt.pptx
@@ -17809,14 +17809,11 @@
               <a:rPr lang="en-US" dirty="0"/>
               <a:t>Project Timeline </a:t>
             </a:r>
-            <a:r>
-              <a:rPr lang="en-US" b="0" dirty="0">
-                <a:solidFill>
-                  <a:schemeClr val="bg2"/>
-                </a:solidFill>
-              </a:rPr>
-              <a:t>Template</a:t>
-            </a:r>
+            <a:endParaRPr lang="en-US" b="0" dirty="0">
+              <a:solidFill>
+                <a:schemeClr val="bg2"/>
+              </a:solidFill>
+            </a:endParaRPr>
           </a:p>
         </p:txBody>
       </p:sp>
@@ -19864,12 +19861,11 @@
 </file>
 
 <file path=customXml/item1.xml><?xml version="1.0" encoding="utf-8"?>
-<?mso-contentType ?>
-<FormTemplates xmlns="http://schemas.microsoft.com/sharepoint/v3/contenttype/forms">
-  <Display>DocumentLibraryForm</Display>
-  <Edit>DocumentLibraryForm</Edit>
-  <New>DocumentLibraryForm</New>
-</FormTemplates>
+<p:properties xmlns:p="http://schemas.microsoft.com/office/2006/metadata/properties" xmlns:xsi="http://www.w3.org/2001/XMLSchema-instance" xmlns:pc="http://schemas.microsoft.com/office/infopath/2007/PartnerControls">
+  <documentManagement>
+    <MediaServiceKeyPoints xmlns="71af3243-3dd4-4a8d-8c0d-dd76da1f02a5" xsi:nil="true"/>
+  </documentManagement>
+</p:properties>
 </file>
 
 <file path=customXml/item2.xml><?xml version="1.0" encoding="utf-8"?>
@@ -20084,17 +20080,27 @@
 </file>
 
 <file path=customXml/item3.xml><?xml version="1.0" encoding="utf-8"?>
-<p:properties xmlns:p="http://schemas.microsoft.com/office/2006/metadata/properties" xmlns:xsi="http://www.w3.org/2001/XMLSchema-instance" xmlns:pc="http://schemas.microsoft.com/office/infopath/2007/PartnerControls">
-  <documentManagement>
-    <MediaServiceKeyPoints xmlns="71af3243-3dd4-4a8d-8c0d-dd76da1f02a5" xsi:nil="true"/>
-  </documentManagement>
-</p:properties>
+<?mso-contentType ?>
+<FormTemplates xmlns="http://schemas.microsoft.com/sharepoint/v3/contenttype/forms">
+  <Display>DocumentLibraryForm</Display>
+  <Edit>DocumentLibraryForm</Edit>
+  <New>DocumentLibraryForm</New>
+</FormTemplates>
 </file>
 
 <file path=customXml/itemProps1.xml><?xml version="1.0" encoding="utf-8"?>
-<ds:datastoreItem xmlns:ds="http://schemas.openxmlformats.org/officeDocument/2006/customXml" ds:itemID="{83B6EBAF-D3F1-4C38-B9E9-9D4DBDA13976}">
+<ds:datastoreItem xmlns:ds="http://schemas.openxmlformats.org/officeDocument/2006/customXml" ds:itemID="{6A6599C0-B0B6-415D-9B63-E273EEA0EBF7}">
   <ds:schemaRefs>
-    <ds:schemaRef ds:uri="http://schemas.microsoft.com/sharepoint/v3/contenttype/forms"/>
+    <ds:schemaRef ds:uri="http://purl.org/dc/elements/1.1/"/>
+    <ds:schemaRef ds:uri="http://schemas.microsoft.com/office/infopath/2007/PartnerControls"/>
+    <ds:schemaRef ds:uri="http://purl.org/dc/terms/"/>
+    <ds:schemaRef ds:uri="http://schemas.microsoft.com/office/2006/metadata/properties"/>
+    <ds:schemaRef ds:uri="http://www.w3.org/XML/1998/namespace"/>
+    <ds:schemaRef ds:uri="http://schemas.microsoft.com/office/2006/documentManagement/types"/>
+    <ds:schemaRef ds:uri="http://schemas.openxmlformats.org/package/2006/metadata/core-properties"/>
+    <ds:schemaRef ds:uri="16c05727-aa75-4e4a-9b5f-8a80a1165891"/>
+    <ds:schemaRef ds:uri="71af3243-3dd4-4a8d-8c0d-dd76da1f02a5"/>
+    <ds:schemaRef ds:uri="http://purl.org/dc/dcmitype/"/>
   </ds:schemaRefs>
 </ds:datastoreItem>
 </file>
@@ -20119,18 +20125,9 @@
 </file>
 
 <file path=customXml/itemProps3.xml><?xml version="1.0" encoding="utf-8"?>
-<ds:datastoreItem xmlns:ds="http://schemas.openxmlformats.org/officeDocument/2006/customXml" ds:itemID="{6A6599C0-B0B6-415D-9B63-E273EEA0EBF7}">
+<ds:datastoreItem xmlns:ds="http://schemas.openxmlformats.org/officeDocument/2006/customXml" ds:itemID="{83B6EBAF-D3F1-4C38-B9E9-9D4DBDA13976}">
   <ds:schemaRefs>
-    <ds:schemaRef ds:uri="http://purl.org/dc/elements/1.1/"/>
-    <ds:schemaRef ds:uri="http://schemas.microsoft.com/office/infopath/2007/PartnerControls"/>
-    <ds:schemaRef ds:uri="http://purl.org/dc/terms/"/>
-    <ds:schemaRef ds:uri="http://schemas.microsoft.com/office/2006/metadata/properties"/>
-    <ds:schemaRef ds:uri="http://www.w3.org/XML/1998/namespace"/>
-    <ds:schemaRef ds:uri="http://schemas.microsoft.com/office/2006/documentManagement/types"/>
-    <ds:schemaRef ds:uri="http://schemas.openxmlformats.org/package/2006/metadata/core-properties"/>
-    <ds:schemaRef ds:uri="16c05727-aa75-4e4a-9b5f-8a80a1165891"/>
-    <ds:schemaRef ds:uri="71af3243-3dd4-4a8d-8c0d-dd76da1f02a5"/>
-    <ds:schemaRef ds:uri="http://purl.org/dc/dcmitype/"/>
+    <ds:schemaRef ds:uri="http://schemas.microsoft.com/sharepoint/v3/contenttype/forms"/>
   </ds:schemaRefs>
 </ds:datastoreItem>
 </file>